--- a/DS3_1.pptx
+++ b/DS3_1.pptx
@@ -3581,14 +3581,14 @@
                   <a:gsLst>
                     <a:gs pos="0">
                       <a:schemeClr val="accent1">
-                        <a:lumOff val="-19998"/>
+                        <a:lumOff val="-19996"/>
                         <a:satOff val="20000"/>
                       </a:schemeClr>
                     </a:gs>
                     <a:gs pos="100000">
                       <a:schemeClr val="accent1">
                         <a:lumOff val="15000"/>
-                        <a:satOff val="-14998"/>
+                        <a:satOff val="-14996"/>
                       </a:schemeClr>
                     </a:gs>
                   </a:gsLst>
@@ -3605,14 +3605,14 @@
                   <a:gsLst>
                     <a:gs pos="0">
                       <a:schemeClr val="accent1">
-                        <a:lumOff val="-19998"/>
+                        <a:lumOff val="-19996"/>
                         <a:satOff val="20000"/>
                       </a:schemeClr>
                     </a:gs>
                     <a:gs pos="100000">
                       <a:schemeClr val="accent1">
                         <a:lumOff val="15000"/>
-                        <a:satOff val="-14998"/>
+                        <a:satOff val="-14996"/>
                       </a:schemeClr>
                     </a:gs>
                   </a:gsLst>
@@ -3628,14 +3628,14 @@
                 <a:gsLst>
                   <a:gs pos="0">
                     <a:schemeClr val="accent1">
-                      <a:lumOff val="-19998"/>
+                      <a:lumOff val="-19996"/>
                       <a:satOff val="20000"/>
                     </a:schemeClr>
                   </a:gs>
                   <a:gs pos="100000">
                     <a:schemeClr val="accent1">
                       <a:lumOff val="15000"/>
-                      <a:satOff val="-14998"/>
+                      <a:satOff val="-14996"/>
                     </a:schemeClr>
                   </a:gs>
                 </a:gsLst>
@@ -3720,7 +3720,11 @@
             </a:r>
             <a:r>
               <a:rPr lang="en-US"/>
-              <a:t>Numpy)</a:t>
+              <a:t>n</a:t>
+            </a:r>
+            <a:r>
+              <a:rPr lang="en-US"/>
+              <a:t>umpy)</a:t>
             </a:r>
             <a:endParaRPr lang="en-US"/>
           </a:p>
